--- a/Week 1/git.pptx
+++ b/Week 1/git.pptx
@@ -5703,7 +5703,7 @@
             <a:pPr algn="l"/>
             <a:r>
               <a:rPr lang="en-US" sz="2400" dirty="0"/>
-              <a:t>git config –global user.name=“</a:t>
+              <a:t>git config –global user.name “</a:t>
             </a:r>
             <a:r>
               <a:rPr lang="en-US" sz="2400" dirty="0" err="1"/>
@@ -5725,9 +5725,10 @@
               <a:t>user.email</a:t>
             </a:r>
             <a:r>
-              <a:rPr lang="en-US" sz="2400" dirty="0"/>
-              <a:t>=“”</a:t>
-            </a:r>
+              <a:rPr lang="en-US" sz="2400"/>
+              <a:t> “”</a:t>
+            </a:r>
+            <a:endParaRPr lang="en-US" sz="2400" dirty="0"/>
           </a:p>
           <a:p>
             <a:pPr algn="l"/>

--- a/Week 1/git.pptx
+++ b/Week 1/git.pptx
@@ -18,7 +18,8 @@
     <p:sldId id="263" r:id="rId12"/>
     <p:sldId id="262" r:id="rId13"/>
     <p:sldId id="270" r:id="rId14"/>
-    <p:sldId id="271" r:id="rId15"/>
+    <p:sldId id="272" r:id="rId15"/>
+    <p:sldId id="271" r:id="rId16"/>
   </p:sldIdLst>
   <p:sldSz cx="12192000" cy="6858000"/>
   <p:notesSz cx="6858000" cy="9144000"/>
@@ -274,7 +275,7 @@
           <a:p>
             <a:fld id="{BA760CC2-DE17-47C4-A1E1-01B8D49B03B8}" type="datetimeFigureOut">
               <a:rPr lang="en-IN" smtClean="0"/>
-              <a:t>09-03-2024</a:t>
+              <a:t>10-03-2024</a:t>
             </a:fld>
             <a:endParaRPr lang="en-IN"/>
           </a:p>
@@ -474,7 +475,7 @@
           <a:p>
             <a:fld id="{BA760CC2-DE17-47C4-A1E1-01B8D49B03B8}" type="datetimeFigureOut">
               <a:rPr lang="en-IN" smtClean="0"/>
-              <a:t>09-03-2024</a:t>
+              <a:t>10-03-2024</a:t>
             </a:fld>
             <a:endParaRPr lang="en-IN"/>
           </a:p>
@@ -684,7 +685,7 @@
           <a:p>
             <a:fld id="{BA760CC2-DE17-47C4-A1E1-01B8D49B03B8}" type="datetimeFigureOut">
               <a:rPr lang="en-IN" smtClean="0"/>
-              <a:t>09-03-2024</a:t>
+              <a:t>10-03-2024</a:t>
             </a:fld>
             <a:endParaRPr lang="en-IN"/>
           </a:p>
@@ -884,7 +885,7 @@
           <a:p>
             <a:fld id="{BA760CC2-DE17-47C4-A1E1-01B8D49B03B8}" type="datetimeFigureOut">
               <a:rPr lang="en-IN" smtClean="0"/>
-              <a:t>09-03-2024</a:t>
+              <a:t>10-03-2024</a:t>
             </a:fld>
             <a:endParaRPr lang="en-IN"/>
           </a:p>
@@ -1160,7 +1161,7 @@
           <a:p>
             <a:fld id="{BA760CC2-DE17-47C4-A1E1-01B8D49B03B8}" type="datetimeFigureOut">
               <a:rPr lang="en-IN" smtClean="0"/>
-              <a:t>09-03-2024</a:t>
+              <a:t>10-03-2024</a:t>
             </a:fld>
             <a:endParaRPr lang="en-IN"/>
           </a:p>
@@ -1428,7 +1429,7 @@
           <a:p>
             <a:fld id="{BA760CC2-DE17-47C4-A1E1-01B8D49B03B8}" type="datetimeFigureOut">
               <a:rPr lang="en-IN" smtClean="0"/>
-              <a:t>09-03-2024</a:t>
+              <a:t>10-03-2024</a:t>
             </a:fld>
             <a:endParaRPr lang="en-IN"/>
           </a:p>
@@ -1843,7 +1844,7 @@
           <a:p>
             <a:fld id="{BA760CC2-DE17-47C4-A1E1-01B8D49B03B8}" type="datetimeFigureOut">
               <a:rPr lang="en-IN" smtClean="0"/>
-              <a:t>09-03-2024</a:t>
+              <a:t>10-03-2024</a:t>
             </a:fld>
             <a:endParaRPr lang="en-IN"/>
           </a:p>
@@ -1985,7 +1986,7 @@
           <a:p>
             <a:fld id="{BA760CC2-DE17-47C4-A1E1-01B8D49B03B8}" type="datetimeFigureOut">
               <a:rPr lang="en-IN" smtClean="0"/>
-              <a:t>09-03-2024</a:t>
+              <a:t>10-03-2024</a:t>
             </a:fld>
             <a:endParaRPr lang="en-IN"/>
           </a:p>
@@ -2098,7 +2099,7 @@
           <a:p>
             <a:fld id="{BA760CC2-DE17-47C4-A1E1-01B8D49B03B8}" type="datetimeFigureOut">
               <a:rPr lang="en-IN" smtClean="0"/>
-              <a:t>09-03-2024</a:t>
+              <a:t>10-03-2024</a:t>
             </a:fld>
             <a:endParaRPr lang="en-IN"/>
           </a:p>
@@ -2411,7 +2412,7 @@
           <a:p>
             <a:fld id="{BA760CC2-DE17-47C4-A1E1-01B8D49B03B8}" type="datetimeFigureOut">
               <a:rPr lang="en-IN" smtClean="0"/>
-              <a:t>09-03-2024</a:t>
+              <a:t>10-03-2024</a:t>
             </a:fld>
             <a:endParaRPr lang="en-IN"/>
           </a:p>
@@ -2700,7 +2701,7 @@
           <a:p>
             <a:fld id="{BA760CC2-DE17-47C4-A1E1-01B8D49B03B8}" type="datetimeFigureOut">
               <a:rPr lang="en-IN" smtClean="0"/>
-              <a:t>09-03-2024</a:t>
+              <a:t>10-03-2024</a:t>
             </a:fld>
             <a:endParaRPr lang="en-IN"/>
           </a:p>
@@ -2943,7 +2944,7 @@
           <a:p>
             <a:fld id="{BA760CC2-DE17-47C4-A1E1-01B8D49B03B8}" type="datetimeFigureOut">
               <a:rPr lang="en-IN" smtClean="0"/>
-              <a:t>09-03-2024</a:t>
+              <a:t>10-03-2024</a:t>
             </a:fld>
             <a:endParaRPr lang="en-IN"/>
           </a:p>
@@ -4615,6 +4616,261 @@
   <p:cSld>
     <p:spTree>
       <p:nvGrpSpPr>
+        <p:cNvPr id="1" name=""/>
+        <p:cNvGrpSpPr/>
+        <p:nvPr/>
+      </p:nvGrpSpPr>
+      <p:grpSpPr>
+        <a:xfrm>
+          <a:off x="0" y="0"/>
+          <a:ext cx="0" cy="0"/>
+          <a:chOff x="0" y="0"/>
+          <a:chExt cx="0" cy="0"/>
+        </a:xfrm>
+      </p:grpSpPr>
+      <p:sp>
+        <p:nvSpPr>
+          <p:cNvPr id="2" name="Title 1">
+            <a:extLst>
+              <a:ext uri="{FF2B5EF4-FFF2-40B4-BE49-F238E27FC236}">
+                <a16:creationId xmlns:a16="http://schemas.microsoft.com/office/drawing/2014/main" id="{BFE7142A-DF4F-1357-E847-F8E45553DD28}"/>
+              </a:ext>
+            </a:extLst>
+          </p:cNvPr>
+          <p:cNvSpPr>
+            <a:spLocks noGrp="1"/>
+          </p:cNvSpPr>
+          <p:nvPr>
+            <p:ph type="title"/>
+          </p:nvPr>
+        </p:nvSpPr>
+        <p:spPr/>
+        <p:txBody>
+          <a:bodyPr/>
+          <a:lstStyle/>
+          <a:p>
+            <a:r>
+              <a:rPr lang="en-US" dirty="0"/>
+              <a:t>Git tags</a:t>
+            </a:r>
+            <a:endParaRPr lang="en-IN" dirty="0"/>
+          </a:p>
+        </p:txBody>
+      </p:sp>
+      <p:sp>
+        <p:nvSpPr>
+          <p:cNvPr id="3" name="Content Placeholder 2">
+            <a:extLst>
+              <a:ext uri="{FF2B5EF4-FFF2-40B4-BE49-F238E27FC236}">
+                <a16:creationId xmlns:a16="http://schemas.microsoft.com/office/drawing/2014/main" id="{460FFC93-07C5-15DB-7450-113AD7E0886B}"/>
+              </a:ext>
+            </a:extLst>
+          </p:cNvPr>
+          <p:cNvSpPr>
+            <a:spLocks noGrp="1"/>
+          </p:cNvSpPr>
+          <p:nvPr>
+            <p:ph idx="1"/>
+          </p:nvPr>
+        </p:nvSpPr>
+        <p:spPr/>
+        <p:txBody>
+          <a:bodyPr/>
+          <a:lstStyle/>
+          <a:p>
+            <a:r>
+              <a:rPr lang="en-IN" b="0" i="0" dirty="0">
+                <a:solidFill>
+                  <a:srgbClr val="000000"/>
+                </a:solidFill>
+                <a:effectLst/>
+                <a:latin typeface="Courier New" panose="02070309020205020404" pitchFamily="49" charset="0"/>
+              </a:rPr>
+              <a:t>git tag -a &lt;</a:t>
+            </a:r>
+            <a:r>
+              <a:rPr lang="en-IN" b="0" i="0" dirty="0" err="1">
+                <a:solidFill>
+                  <a:srgbClr val="000000"/>
+                </a:solidFill>
+                <a:effectLst/>
+                <a:latin typeface="Courier New" panose="02070309020205020404" pitchFamily="49" charset="0"/>
+              </a:rPr>
+              <a:t>tagname</a:t>
+            </a:r>
+            <a:r>
+              <a:rPr lang="en-IN" b="0" i="0" dirty="0">
+                <a:solidFill>
+                  <a:srgbClr val="000000"/>
+                </a:solidFill>
+                <a:effectLst/>
+                <a:latin typeface="Courier New" panose="02070309020205020404" pitchFamily="49" charset="0"/>
+              </a:rPr>
+              <a:t>&gt; &lt;</a:t>
+            </a:r>
+            <a:r>
+              <a:rPr lang="en-IN" b="0" i="0" dirty="0" err="1">
+                <a:solidFill>
+                  <a:srgbClr val="000000"/>
+                </a:solidFill>
+                <a:effectLst/>
+                <a:latin typeface="Courier New" panose="02070309020205020404" pitchFamily="49" charset="0"/>
+              </a:rPr>
+              <a:t>commit_id</a:t>
+            </a:r>
+            <a:r>
+              <a:rPr lang="en-IN" b="0" i="0" dirty="0">
+                <a:solidFill>
+                  <a:srgbClr val="000000"/>
+                </a:solidFill>
+                <a:effectLst/>
+                <a:latin typeface="Courier New" panose="02070309020205020404" pitchFamily="49" charset="0"/>
+              </a:rPr>
+              <a:t>&gt; -m &lt;</a:t>
+            </a:r>
+            <a:r>
+              <a:rPr lang="en-IN" b="0" i="0" dirty="0">
+                <a:solidFill>
+                  <a:srgbClr val="9334E6"/>
+                </a:solidFill>
+                <a:effectLst/>
+                <a:latin typeface="Courier New" panose="02070309020205020404" pitchFamily="49" charset="0"/>
+              </a:rPr>
+              <a:t>message</a:t>
+            </a:r>
+            <a:r>
+              <a:rPr lang="en-IN" b="0" i="0" dirty="0">
+                <a:solidFill>
+                  <a:srgbClr val="000000"/>
+                </a:solidFill>
+                <a:effectLst/>
+                <a:latin typeface="Courier New" panose="02070309020205020404" pitchFamily="49" charset="0"/>
+              </a:rPr>
+              <a:t>&gt;</a:t>
+            </a:r>
+          </a:p>
+          <a:p>
+            <a:r>
+              <a:rPr lang="en-IN" b="0" i="0" dirty="0">
+                <a:solidFill>
+                  <a:srgbClr val="000000"/>
+                </a:solidFill>
+                <a:effectLst/>
+                <a:latin typeface="Courier New" panose="02070309020205020404" pitchFamily="49" charset="0"/>
+              </a:rPr>
+              <a:t>git tag -a &lt;</a:t>
+            </a:r>
+            <a:r>
+              <a:rPr lang="en-IN" b="0" i="0" dirty="0" err="1">
+                <a:solidFill>
+                  <a:srgbClr val="000000"/>
+                </a:solidFill>
+                <a:effectLst/>
+                <a:latin typeface="Courier New" panose="02070309020205020404" pitchFamily="49" charset="0"/>
+              </a:rPr>
+              <a:t>tagname</a:t>
+            </a:r>
+            <a:r>
+              <a:rPr lang="en-IN" b="0" i="0" dirty="0">
+                <a:solidFill>
+                  <a:srgbClr val="000000"/>
+                </a:solidFill>
+                <a:effectLst/>
+                <a:latin typeface="Courier New" panose="02070309020205020404" pitchFamily="49" charset="0"/>
+              </a:rPr>
+              <a:t>&gt; -m &lt;</a:t>
+            </a:r>
+            <a:r>
+              <a:rPr lang="en-IN" b="0" i="0" dirty="0">
+                <a:solidFill>
+                  <a:srgbClr val="9334E6"/>
+                </a:solidFill>
+                <a:effectLst/>
+                <a:latin typeface="Courier New" panose="02070309020205020404" pitchFamily="49" charset="0"/>
+              </a:rPr>
+              <a:t>message</a:t>
+            </a:r>
+            <a:r>
+              <a:rPr lang="en-IN" b="0" i="0" dirty="0">
+                <a:solidFill>
+                  <a:srgbClr val="000000"/>
+                </a:solidFill>
+                <a:effectLst/>
+                <a:latin typeface="Courier New" panose="02070309020205020404" pitchFamily="49" charset="0"/>
+              </a:rPr>
+              <a:t>&gt;</a:t>
+            </a:r>
+          </a:p>
+          <a:p>
+            <a:r>
+              <a:rPr lang="en-IN" dirty="0">
+                <a:solidFill>
+                  <a:srgbClr val="000000"/>
+                </a:solidFill>
+                <a:latin typeface="Courier New" panose="02070309020205020404" pitchFamily="49" charset="0"/>
+              </a:rPr>
+              <a:t>Git tag: View tags</a:t>
+            </a:r>
+          </a:p>
+          <a:p>
+            <a:r>
+              <a:rPr lang="en-IN" dirty="0">
+                <a:solidFill>
+                  <a:srgbClr val="000000"/>
+                </a:solidFill>
+                <a:latin typeface="Courier New" panose="02070309020205020404" pitchFamily="49" charset="0"/>
+              </a:rPr>
+              <a:t>Git push &lt;remote repo&gt; &lt;</a:t>
+            </a:r>
+            <a:r>
+              <a:rPr lang="en-IN" dirty="0" err="1">
+                <a:solidFill>
+                  <a:srgbClr val="000000"/>
+                </a:solidFill>
+                <a:latin typeface="Courier New" panose="02070309020205020404" pitchFamily="49" charset="0"/>
+              </a:rPr>
+              <a:t>tag_name</a:t>
+            </a:r>
+            <a:r>
+              <a:rPr lang="en-IN" dirty="0">
+                <a:solidFill>
+                  <a:srgbClr val="000000"/>
+                </a:solidFill>
+                <a:latin typeface="Courier New" panose="02070309020205020404" pitchFamily="49" charset="0"/>
+              </a:rPr>
+              <a:t>&gt;: Push tags </a:t>
+            </a:r>
+            <a:r>
+              <a:rPr lang="en-IN">
+                <a:solidFill>
+                  <a:srgbClr val="000000"/>
+                </a:solidFill>
+                <a:latin typeface="Courier New" panose="02070309020205020404" pitchFamily="49" charset="0"/>
+              </a:rPr>
+              <a:t>to remote repo</a:t>
+            </a:r>
+            <a:endParaRPr lang="en-IN" dirty="0"/>
+          </a:p>
+        </p:txBody>
+      </p:sp>
+    </p:spTree>
+    <p:extLst>
+      <p:ext uri="{BB962C8B-B14F-4D97-AF65-F5344CB8AC3E}">
+        <p14:creationId xmlns:p14="http://schemas.microsoft.com/office/powerpoint/2010/main" val="303958295"/>
+      </p:ext>
+    </p:extLst>
+  </p:cSld>
+  <p:clrMapOvr>
+    <a:masterClrMapping/>
+  </p:clrMapOvr>
+</p:sld>
+</file>
+
+<file path=ppt/slides/slide15.xml><?xml version="1.0" encoding="utf-8"?>
+<p:sld xmlns:a="http://schemas.openxmlformats.org/drawingml/2006/main" xmlns:r="http://schemas.openxmlformats.org/officeDocument/2006/relationships" xmlns:p="http://schemas.openxmlformats.org/presentationml/2006/main">
+  <p:cSld>
+    <p:spTree>
+      <p:nvGrpSpPr>
         <p:cNvPr id="1" name="">
           <a:extLst>
             <a:ext uri="{FF2B5EF4-FFF2-40B4-BE49-F238E27FC236}">
